--- a/graph and maquttage/graph/graph.pptx
+++ b/graph and maquttage/graph/graph.pptx
@@ -105,6 +105,11 @@
       </a:defRPr>
     </a:lvl9pPr>
   </p:defaultTextStyle>
+  <p:extLst>
+    <p:ext uri="{EFAFB233-063F-42B5-8137-9DF3F51BA10A}">
+      <p15:sldGuideLst xmlns:p15="http://schemas.microsoft.com/office/powerpoint/2012/main"/>
+    </p:ext>
+  </p:extLst>
 </p:presentation>
 </file>
 
@@ -214,6 +219,11 @@
                 </a:outerShdw>
               </a:effectLst>
             </c:spPr>
+            <c:extLst>
+              <c:ext xmlns:c16="http://schemas.microsoft.com/office/drawing/2014/chart" uri="{C3380CC4-5D6E-409C-BE32-E72D297353CC}">
+                <c16:uniqueId val="{00000003-FDDE-4146-960E-5C25917074D8}"/>
+              </c:ext>
+            </c:extLst>
           </c:dPt>
           <c:dPt>
             <c:idx val="2"/>
@@ -233,6 +243,11 @@
                 </a:outerShdw>
               </a:effectLst>
             </c:spPr>
+            <c:extLst>
+              <c:ext xmlns:c16="http://schemas.microsoft.com/office/drawing/2014/chart" uri="{C3380CC4-5D6E-409C-BE32-E72D297353CC}">
+                <c16:uniqueId val="{00000005-FDDE-4146-960E-5C25917074D8}"/>
+              </c:ext>
+            </c:extLst>
           </c:dPt>
           <c:dPt>
             <c:idx val="3"/>
@@ -252,6 +267,11 @@
                 </a:outerShdw>
               </a:effectLst>
             </c:spPr>
+            <c:extLst>
+              <c:ext xmlns:c16="http://schemas.microsoft.com/office/drawing/2014/chart" uri="{C3380CC4-5D6E-409C-BE32-E72D297353CC}">
+                <c16:uniqueId val="{00000007-FDDE-4146-960E-5C25917074D8}"/>
+              </c:ext>
+            </c:extLst>
           </c:dPt>
           <c:dPt>
             <c:idx val="4"/>
@@ -271,6 +291,11 @@
                 </a:outerShdw>
               </a:effectLst>
             </c:spPr>
+            <c:extLst>
+              <c:ext xmlns:c16="http://schemas.microsoft.com/office/drawing/2014/chart" uri="{C3380CC4-5D6E-409C-BE32-E72D297353CC}">
+                <c16:uniqueId val="{00000009-FDDE-4146-960E-5C25917074D8}"/>
+              </c:ext>
+            </c:extLst>
           </c:dPt>
           <c:dPt>
             <c:idx val="5"/>
@@ -290,6 +315,11 @@
                 </a:outerShdw>
               </a:effectLst>
             </c:spPr>
+            <c:extLst>
+              <c:ext xmlns:c16="http://schemas.microsoft.com/office/drawing/2014/chart" uri="{C3380CC4-5D6E-409C-BE32-E72D297353CC}">
+                <c16:uniqueId val="{0000000B-FDDE-4146-960E-5C25917074D8}"/>
+              </c:ext>
+            </c:extLst>
           </c:dPt>
           <c:dPt>
             <c:idx val="6"/>
@@ -311,6 +341,11 @@
                 </a:outerShdw>
               </a:effectLst>
             </c:spPr>
+            <c:extLst>
+              <c:ext xmlns:c16="http://schemas.microsoft.com/office/drawing/2014/chart" uri="{C3380CC4-5D6E-409C-BE32-E72D297353CC}">
+                <c16:uniqueId val="{0000000D-FDDE-4146-960E-5C25917074D8}"/>
+              </c:ext>
+            </c:extLst>
           </c:dPt>
           <c:dPt>
             <c:idx val="7"/>
@@ -332,6 +367,11 @@
                 </a:outerShdw>
               </a:effectLst>
             </c:spPr>
+            <c:extLst>
+              <c:ext xmlns:c16="http://schemas.microsoft.com/office/drawing/2014/chart" uri="{C3380CC4-5D6E-409C-BE32-E72D297353CC}">
+                <c16:uniqueId val="{0000000F-FDDE-4146-960E-5C25917074D8}"/>
+              </c:ext>
+            </c:extLst>
           </c:dPt>
           <c:dPt>
             <c:idx val="8"/>
@@ -353,6 +393,11 @@
                 </a:outerShdw>
               </a:effectLst>
             </c:spPr>
+            <c:extLst>
+              <c:ext xmlns:c16="http://schemas.microsoft.com/office/drawing/2014/chart" uri="{C3380CC4-5D6E-409C-BE32-E72D297353CC}">
+                <c16:uniqueId val="{00000011-FDDE-4146-960E-5C25917074D8}"/>
+              </c:ext>
+            </c:extLst>
           </c:dPt>
           <c:dLbls>
             <c:spPr>
@@ -4942,7 +4987,7 @@
         <p:spPr>
           <a:xfrm>
             <a:off x="8003177" y="5845612"/>
-            <a:ext cx="2463836" cy="677109"/>
+            <a:ext cx="2463835" cy="677109"/>
           </a:xfrm>
           <a:prstGeom prst="rect">
             <a:avLst/>
